--- a/ReactJsNew.pptx
+++ b/ReactJsNew.pptx
@@ -36,6 +36,13 @@
     <p:sldId id="284" r:id="rId30"/>
     <p:sldId id="285" r:id="rId31"/>
     <p:sldId id="286" r:id="rId32"/>
+    <p:sldId id="287" r:id="rId33"/>
+    <p:sldId id="288" r:id="rId34"/>
+    <p:sldId id="289" r:id="rId35"/>
+    <p:sldId id="290" r:id="rId36"/>
+    <p:sldId id="291" r:id="rId37"/>
+    <p:sldId id="292" r:id="rId38"/>
+    <p:sldId id="293" r:id="rId39"/>
   </p:sldIdLst>
   <p:sldSz cx="12192000" cy="6858000"/>
   <p:notesSz cx="6858000" cy="9144000"/>
@@ -289,7 +296,7 @@
           <a:p>
             <a:fld id="{46343314-860B-47A2-BAD3-E2F473597A71}" type="datetimeFigureOut">
               <a:rPr lang="en-US" smtClean="0"/>
-              <a:t>3/17/2023</a:t>
+              <a:t>3/21/2023</a:t>
             </a:fld>
             <a:endParaRPr lang="en-US"/>
           </a:p>
@@ -487,7 +494,7 @@
           <a:p>
             <a:fld id="{46343314-860B-47A2-BAD3-E2F473597A71}" type="datetimeFigureOut">
               <a:rPr lang="en-US" smtClean="0"/>
-              <a:t>3/17/2023</a:t>
+              <a:t>3/21/2023</a:t>
             </a:fld>
             <a:endParaRPr lang="en-US"/>
           </a:p>
@@ -695,7 +702,7 @@
           <a:p>
             <a:fld id="{46343314-860B-47A2-BAD3-E2F473597A71}" type="datetimeFigureOut">
               <a:rPr lang="en-US" smtClean="0"/>
-              <a:t>3/17/2023</a:t>
+              <a:t>3/21/2023</a:t>
             </a:fld>
             <a:endParaRPr lang="en-US"/>
           </a:p>
@@ -893,7 +900,7 @@
           <a:p>
             <a:fld id="{46343314-860B-47A2-BAD3-E2F473597A71}" type="datetimeFigureOut">
               <a:rPr lang="en-US" smtClean="0"/>
-              <a:t>3/17/2023</a:t>
+              <a:t>3/21/2023</a:t>
             </a:fld>
             <a:endParaRPr lang="en-US"/>
           </a:p>
@@ -1168,7 +1175,7 @@
           <a:p>
             <a:fld id="{46343314-860B-47A2-BAD3-E2F473597A71}" type="datetimeFigureOut">
               <a:rPr lang="en-US" smtClean="0"/>
-              <a:t>3/17/2023</a:t>
+              <a:t>3/21/2023</a:t>
             </a:fld>
             <a:endParaRPr lang="en-US"/>
           </a:p>
@@ -1433,7 +1440,7 @@
           <a:p>
             <a:fld id="{46343314-860B-47A2-BAD3-E2F473597A71}" type="datetimeFigureOut">
               <a:rPr lang="en-US" smtClean="0"/>
-              <a:t>3/17/2023</a:t>
+              <a:t>3/21/2023</a:t>
             </a:fld>
             <a:endParaRPr lang="en-US"/>
           </a:p>
@@ -1845,7 +1852,7 @@
           <a:p>
             <a:fld id="{46343314-860B-47A2-BAD3-E2F473597A71}" type="datetimeFigureOut">
               <a:rPr lang="en-US" smtClean="0"/>
-              <a:t>3/17/2023</a:t>
+              <a:t>3/21/2023</a:t>
             </a:fld>
             <a:endParaRPr lang="en-US"/>
           </a:p>
@@ -1986,7 +1993,7 @@
           <a:p>
             <a:fld id="{46343314-860B-47A2-BAD3-E2F473597A71}" type="datetimeFigureOut">
               <a:rPr lang="en-US" smtClean="0"/>
-              <a:t>3/17/2023</a:t>
+              <a:t>3/21/2023</a:t>
             </a:fld>
             <a:endParaRPr lang="en-US"/>
           </a:p>
@@ -2099,7 +2106,7 @@
           <a:p>
             <a:fld id="{46343314-860B-47A2-BAD3-E2F473597A71}" type="datetimeFigureOut">
               <a:rPr lang="en-US" smtClean="0"/>
-              <a:t>3/17/2023</a:t>
+              <a:t>3/21/2023</a:t>
             </a:fld>
             <a:endParaRPr lang="en-US"/>
           </a:p>
@@ -2410,7 +2417,7 @@
           <a:p>
             <a:fld id="{46343314-860B-47A2-BAD3-E2F473597A71}" type="datetimeFigureOut">
               <a:rPr lang="en-US" smtClean="0"/>
-              <a:t>3/17/2023</a:t>
+              <a:t>3/21/2023</a:t>
             </a:fld>
             <a:endParaRPr lang="en-US"/>
           </a:p>
@@ -2698,7 +2705,7 @@
           <a:p>
             <a:fld id="{46343314-860B-47A2-BAD3-E2F473597A71}" type="datetimeFigureOut">
               <a:rPr lang="en-US" smtClean="0"/>
-              <a:t>3/17/2023</a:t>
+              <a:t>3/21/2023</a:t>
             </a:fld>
             <a:endParaRPr lang="en-US"/>
           </a:p>
@@ -2939,7 +2946,7 @@
           <a:p>
             <a:fld id="{46343314-860B-47A2-BAD3-E2F473597A71}" type="datetimeFigureOut">
               <a:rPr lang="en-US" smtClean="0"/>
-              <a:t>3/17/2023</a:t>
+              <a:t>3/21/2023</a:t>
             </a:fld>
             <a:endParaRPr lang="en-US"/>
           </a:p>
@@ -9310,6 +9317,2131 @@
 </p:sld>
 </file>
 
+<file path=ppt/slides/slide32.xml><?xml version="1.0" encoding="utf-8"?>
+<p:sld xmlns:a="http://schemas.openxmlformats.org/drawingml/2006/main" xmlns:r="http://schemas.openxmlformats.org/officeDocument/2006/relationships" xmlns:p="http://schemas.openxmlformats.org/presentationml/2006/main">
+  <p:cSld>
+    <p:spTree>
+      <p:nvGrpSpPr>
+        <p:cNvPr id="1" name=""/>
+        <p:cNvGrpSpPr/>
+        <p:nvPr/>
+      </p:nvGrpSpPr>
+      <p:grpSpPr>
+        <a:xfrm>
+          <a:off x="0" y="0"/>
+          <a:ext cx="0" cy="0"/>
+          <a:chOff x="0" y="0"/>
+          <a:chExt cx="0" cy="0"/>
+        </a:xfrm>
+      </p:grpSpPr>
+      <p:sp>
+        <p:nvSpPr>
+          <p:cNvPr id="2" name="Title 1">
+            <a:extLst>
+              <a:ext uri="{FF2B5EF4-FFF2-40B4-BE49-F238E27FC236}">
+                <a16:creationId xmlns:a16="http://schemas.microsoft.com/office/drawing/2014/main" id="{779C3BE9-8B88-57AB-468A-6100BEFCCFEF}"/>
+              </a:ext>
+            </a:extLst>
+          </p:cNvPr>
+          <p:cNvSpPr>
+            <a:spLocks noGrp="1"/>
+          </p:cNvSpPr>
+          <p:nvPr>
+            <p:ph type="title"/>
+          </p:nvPr>
+        </p:nvSpPr>
+        <p:spPr>
+          <a:xfrm>
+            <a:off x="346880" y="228648"/>
+            <a:ext cx="3638266" cy="726696"/>
+          </a:xfrm>
+        </p:spPr>
+        <p:txBody>
+          <a:bodyPr/>
+          <a:lstStyle/>
+          <a:p>
+            <a:r>
+              <a:rPr lang="en-US" dirty="0"/>
+              <a:t>JSX Limitations</a:t>
+            </a:r>
+          </a:p>
+        </p:txBody>
+      </p:sp>
+      <p:sp>
+        <p:nvSpPr>
+          <p:cNvPr id="4" name="TextBox 3">
+            <a:extLst>
+              <a:ext uri="{FF2B5EF4-FFF2-40B4-BE49-F238E27FC236}">
+                <a16:creationId xmlns:a16="http://schemas.microsoft.com/office/drawing/2014/main" id="{1CD38DFB-73DB-15C0-BF75-336634436E43}"/>
+              </a:ext>
+            </a:extLst>
+          </p:cNvPr>
+          <p:cNvSpPr txBox="1"/>
+          <p:nvPr/>
+        </p:nvSpPr>
+        <p:spPr>
+          <a:xfrm>
+            <a:off x="504967" y="1378424"/>
+            <a:ext cx="11454802" cy="369332"/>
+          </a:xfrm>
+          <a:prstGeom prst="rect">
+            <a:avLst/>
+          </a:prstGeom>
+          <a:noFill/>
+        </p:spPr>
+        <p:txBody>
+          <a:bodyPr wrap="none" rtlCol="0">
+            <a:spAutoFit/>
+          </a:bodyPr>
+          <a:lstStyle/>
+          <a:p>
+            <a:r>
+              <a:rPr lang="en-US" dirty="0"/>
+              <a:t>You can’t return more than one “root” JSX element(you also can’t store more than one “root” JSX element in a variable).</a:t>
+            </a:r>
+          </a:p>
+        </p:txBody>
+      </p:sp>
+      <p:sp>
+        <p:nvSpPr>
+          <p:cNvPr id="5" name="TextBox 4">
+            <a:extLst>
+              <a:ext uri="{FF2B5EF4-FFF2-40B4-BE49-F238E27FC236}">
+                <a16:creationId xmlns:a16="http://schemas.microsoft.com/office/drawing/2014/main" id="{569DA414-3ED5-E05C-AE46-F56C2020E747}"/>
+              </a:ext>
+            </a:extLst>
+          </p:cNvPr>
+          <p:cNvSpPr txBox="1"/>
+          <p:nvPr/>
+        </p:nvSpPr>
+        <p:spPr>
+          <a:xfrm>
+            <a:off x="873457" y="3330054"/>
+            <a:ext cx="2753767" cy="1200329"/>
+          </a:xfrm>
+          <a:prstGeom prst="rect">
+            <a:avLst/>
+          </a:prstGeom>
+          <a:noFill/>
+        </p:spPr>
+        <p:txBody>
+          <a:bodyPr wrap="none" rtlCol="0">
+            <a:spAutoFit/>
+          </a:bodyPr>
+          <a:lstStyle/>
+          <a:p>
+            <a:r>
+              <a:rPr lang="en-US" dirty="0"/>
+              <a:t>Return(</a:t>
+            </a:r>
+          </a:p>
+          <a:p>
+            <a:r>
+              <a:rPr lang="en-US" dirty="0"/>
+              <a:t>&lt;h2&gt;Hi there&lt;/h2&gt;</a:t>
+            </a:r>
+          </a:p>
+          <a:p>
+            <a:r>
+              <a:rPr lang="en-US" dirty="0"/>
+              <a:t>&lt;p&gt;This does not work&lt;/p&gt;</a:t>
+            </a:r>
+          </a:p>
+          <a:p>
+            <a:r>
+              <a:rPr lang="en-US" dirty="0"/>
+              <a:t>)</a:t>
+            </a:r>
+          </a:p>
+        </p:txBody>
+      </p:sp>
+      <p:sp>
+        <p:nvSpPr>
+          <p:cNvPr id="6" name="TextBox 5">
+            <a:extLst>
+              <a:ext uri="{FF2B5EF4-FFF2-40B4-BE49-F238E27FC236}">
+                <a16:creationId xmlns:a16="http://schemas.microsoft.com/office/drawing/2014/main" id="{79C75A65-74DA-58D1-D6FE-1C8FC9B36E88}"/>
+              </a:ext>
+            </a:extLst>
+          </p:cNvPr>
+          <p:cNvSpPr txBox="1"/>
+          <p:nvPr/>
+        </p:nvSpPr>
+        <p:spPr>
+          <a:xfrm>
+            <a:off x="7187894" y="3330053"/>
+            <a:ext cx="4583819" cy="1200329"/>
+          </a:xfrm>
+          <a:prstGeom prst="rect">
+            <a:avLst/>
+          </a:prstGeom>
+          <a:noFill/>
+        </p:spPr>
+        <p:txBody>
+          <a:bodyPr wrap="none" rtlCol="0">
+            <a:spAutoFit/>
+          </a:bodyPr>
+          <a:lstStyle/>
+          <a:p>
+            <a:r>
+              <a:rPr lang="en-US" dirty="0"/>
+              <a:t>Return(</a:t>
+            </a:r>
+          </a:p>
+          <a:p>
+            <a:r>
+              <a:rPr lang="en-US" dirty="0" err="1"/>
+              <a:t>React.createElement</a:t>
+            </a:r>
+            <a:r>
+              <a:rPr lang="en-US" dirty="0"/>
+              <a:t>(‘h2’,{},’Hi there!’)</a:t>
+            </a:r>
+          </a:p>
+          <a:p>
+            <a:r>
+              <a:rPr lang="en-US" dirty="0" err="1"/>
+              <a:t>React.createElement</a:t>
+            </a:r>
+            <a:r>
+              <a:rPr lang="en-US" dirty="0"/>
+              <a:t>(‘p’,{},’this does not work’)</a:t>
+            </a:r>
+          </a:p>
+          <a:p>
+            <a:r>
+              <a:rPr lang="en-US" dirty="0"/>
+              <a:t>)</a:t>
+            </a:r>
+          </a:p>
+        </p:txBody>
+      </p:sp>
+      <p:sp>
+        <p:nvSpPr>
+          <p:cNvPr id="7" name="TextBox 6">
+            <a:extLst>
+              <a:ext uri="{FF2B5EF4-FFF2-40B4-BE49-F238E27FC236}">
+                <a16:creationId xmlns:a16="http://schemas.microsoft.com/office/drawing/2014/main" id="{3D4D7634-DAA2-6238-E831-0B236D0A2D4E}"/>
+              </a:ext>
+            </a:extLst>
+          </p:cNvPr>
+          <p:cNvSpPr txBox="1"/>
+          <p:nvPr/>
+        </p:nvSpPr>
+        <p:spPr>
+          <a:xfrm>
+            <a:off x="3421112" y="4602413"/>
+            <a:ext cx="4583819" cy="1754326"/>
+          </a:xfrm>
+          <a:prstGeom prst="rect">
+            <a:avLst/>
+          </a:prstGeom>
+          <a:noFill/>
+        </p:spPr>
+        <p:txBody>
+          <a:bodyPr wrap="none" rtlCol="0">
+            <a:spAutoFit/>
+          </a:bodyPr>
+          <a:lstStyle/>
+          <a:p>
+            <a:r>
+              <a:rPr lang="en-US" dirty="0"/>
+              <a:t>Return(</a:t>
+            </a:r>
+          </a:p>
+          <a:p>
+            <a:r>
+              <a:rPr lang="en-US" dirty="0"/>
+              <a:t>&lt;div&gt;</a:t>
+            </a:r>
+          </a:p>
+          <a:p>
+            <a:r>
+              <a:rPr lang="en-US" dirty="0" err="1"/>
+              <a:t>React.createElement</a:t>
+            </a:r>
+            <a:r>
+              <a:rPr lang="en-US" dirty="0"/>
+              <a:t>(‘h2’,{},’Hi there!’)</a:t>
+            </a:r>
+          </a:p>
+          <a:p>
+            <a:r>
+              <a:rPr lang="en-US" dirty="0" err="1"/>
+              <a:t>React.createElement</a:t>
+            </a:r>
+            <a:r>
+              <a:rPr lang="en-US" dirty="0"/>
+              <a:t>(‘p’,{},’this does not work’)</a:t>
+            </a:r>
+          </a:p>
+          <a:p>
+            <a:r>
+              <a:rPr lang="en-US" dirty="0"/>
+              <a:t>&lt;/div&gt;</a:t>
+            </a:r>
+          </a:p>
+          <a:p>
+            <a:r>
+              <a:rPr lang="en-US" dirty="0"/>
+              <a:t>)</a:t>
+            </a:r>
+          </a:p>
+        </p:txBody>
+      </p:sp>
+      <p:sp>
+        <p:nvSpPr>
+          <p:cNvPr id="8" name="TextBox 7">
+            <a:extLst>
+              <a:ext uri="{FF2B5EF4-FFF2-40B4-BE49-F238E27FC236}">
+                <a16:creationId xmlns:a16="http://schemas.microsoft.com/office/drawing/2014/main" id="{9657B2D3-2F1F-1286-FE63-C46515E59CDE}"/>
+              </a:ext>
+            </a:extLst>
+          </p:cNvPr>
+          <p:cNvSpPr txBox="1"/>
+          <p:nvPr/>
+        </p:nvSpPr>
+        <p:spPr>
+          <a:xfrm>
+            <a:off x="2945661" y="2122170"/>
+            <a:ext cx="5534720" cy="584775"/>
+          </a:xfrm>
+          <a:prstGeom prst="rect">
+            <a:avLst/>
+          </a:prstGeom>
+          <a:noFill/>
+        </p:spPr>
+        <p:txBody>
+          <a:bodyPr wrap="none" rtlCol="0">
+            <a:spAutoFit/>
+          </a:bodyPr>
+          <a:lstStyle/>
+          <a:p>
+            <a:r>
+              <a:rPr lang="en-US" sz="3200" dirty="0"/>
+              <a:t>Always Wrap Adjacent Elements</a:t>
+            </a:r>
+          </a:p>
+        </p:txBody>
+      </p:sp>
+    </p:spTree>
+    <p:extLst>
+      <p:ext uri="{BB962C8B-B14F-4D97-AF65-F5344CB8AC3E}">
+        <p14:creationId xmlns:p14="http://schemas.microsoft.com/office/powerpoint/2010/main" val="3887464637"/>
+      </p:ext>
+    </p:extLst>
+  </p:cSld>
+  <p:clrMapOvr>
+    <a:masterClrMapping/>
+  </p:clrMapOvr>
+</p:sld>
+</file>
+
+<file path=ppt/slides/slide33.xml><?xml version="1.0" encoding="utf-8"?>
+<p:sld xmlns:a="http://schemas.openxmlformats.org/drawingml/2006/main" xmlns:r="http://schemas.openxmlformats.org/officeDocument/2006/relationships" xmlns:p="http://schemas.openxmlformats.org/presentationml/2006/main">
+  <p:cSld>
+    <p:spTree>
+      <p:nvGrpSpPr>
+        <p:cNvPr id="1" name=""/>
+        <p:cNvGrpSpPr/>
+        <p:nvPr/>
+      </p:nvGrpSpPr>
+      <p:grpSpPr>
+        <a:xfrm>
+          <a:off x="0" y="0"/>
+          <a:ext cx="0" cy="0"/>
+          <a:chOff x="0" y="0"/>
+          <a:chExt cx="0" cy="0"/>
+        </a:xfrm>
+      </p:grpSpPr>
+      <p:sp>
+        <p:nvSpPr>
+          <p:cNvPr id="2" name="Title 1">
+            <a:extLst>
+              <a:ext uri="{FF2B5EF4-FFF2-40B4-BE49-F238E27FC236}">
+                <a16:creationId xmlns:a16="http://schemas.microsoft.com/office/drawing/2014/main" id="{D49810FD-C4CD-5BD1-0C5A-E1A5A5E3A5E1}"/>
+              </a:ext>
+            </a:extLst>
+          </p:cNvPr>
+          <p:cNvSpPr>
+            <a:spLocks noGrp="1"/>
+          </p:cNvSpPr>
+          <p:nvPr>
+            <p:ph type="title"/>
+          </p:nvPr>
+        </p:nvSpPr>
+        <p:spPr/>
+        <p:txBody>
+          <a:bodyPr/>
+          <a:lstStyle/>
+          <a:p>
+            <a:r>
+              <a:rPr lang="en-US" dirty="0"/>
+              <a:t>A New Problem: “&lt;div&gt;Soup”</a:t>
+            </a:r>
+          </a:p>
+        </p:txBody>
+      </p:sp>
+      <p:sp>
+        <p:nvSpPr>
+          <p:cNvPr id="3" name="Content Placeholder 2">
+            <a:extLst>
+              <a:ext uri="{FF2B5EF4-FFF2-40B4-BE49-F238E27FC236}">
+                <a16:creationId xmlns:a16="http://schemas.microsoft.com/office/drawing/2014/main" id="{1BB93025-63F0-81D5-AA07-E279CBF2699D}"/>
+              </a:ext>
+            </a:extLst>
+          </p:cNvPr>
+          <p:cNvSpPr>
+            <a:spLocks noGrp="1"/>
+          </p:cNvSpPr>
+          <p:nvPr>
+            <p:ph idx="1"/>
+          </p:nvPr>
+        </p:nvSpPr>
+        <p:spPr>
+          <a:xfrm>
+            <a:off x="838200" y="1825625"/>
+            <a:ext cx="7405048" cy="3920082"/>
+          </a:xfrm>
+        </p:spPr>
+        <p:txBody>
+          <a:bodyPr>
+            <a:normAutofit/>
+          </a:bodyPr>
+          <a:lstStyle/>
+          <a:p>
+            <a:pPr marL="0" indent="0">
+              <a:buNone/>
+            </a:pPr>
+            <a:r>
+              <a:rPr lang="en-US" dirty="0"/>
+              <a:t>&lt;div&gt;</a:t>
+            </a:r>
+          </a:p>
+          <a:p>
+            <a:pPr marL="0" indent="0">
+              <a:buNone/>
+            </a:pPr>
+            <a:r>
+              <a:rPr lang="en-US" dirty="0"/>
+              <a:t>	&lt;div&gt;</a:t>
+            </a:r>
+          </a:p>
+          <a:p>
+            <a:pPr marL="0" indent="0">
+              <a:buNone/>
+            </a:pPr>
+            <a:r>
+              <a:rPr lang="en-US" dirty="0"/>
+              <a:t>		&lt;div&gt;</a:t>
+            </a:r>
+          </a:p>
+          <a:p>
+            <a:pPr marL="0" indent="0">
+              <a:buNone/>
+            </a:pPr>
+            <a:r>
+              <a:rPr lang="en-US" dirty="0"/>
+              <a:t>			&lt;h2&gt;Content&lt;/h2&gt;</a:t>
+            </a:r>
+          </a:p>
+          <a:p>
+            <a:pPr marL="0" indent="0">
+              <a:buNone/>
+            </a:pPr>
+            <a:r>
+              <a:rPr lang="en-US" dirty="0"/>
+              <a:t>		&lt;/div&gt;</a:t>
+            </a:r>
+          </a:p>
+          <a:p>
+            <a:pPr marL="0" indent="0">
+              <a:buNone/>
+            </a:pPr>
+            <a:r>
+              <a:rPr lang="en-US" dirty="0"/>
+              <a:t>	&lt;/div&gt;</a:t>
+            </a:r>
+          </a:p>
+          <a:p>
+            <a:pPr marL="0" indent="0">
+              <a:buNone/>
+            </a:pPr>
+            <a:r>
+              <a:rPr lang="en-US" dirty="0"/>
+              <a:t>&lt;/div&gt;</a:t>
+            </a:r>
+          </a:p>
+        </p:txBody>
+      </p:sp>
+      <p:sp>
+        <p:nvSpPr>
+          <p:cNvPr id="4" name="TextBox 3">
+            <a:extLst>
+              <a:ext uri="{FF2B5EF4-FFF2-40B4-BE49-F238E27FC236}">
+                <a16:creationId xmlns:a16="http://schemas.microsoft.com/office/drawing/2014/main" id="{598FCC0F-B852-C13C-64E0-F16302B4BB1D}"/>
+              </a:ext>
+            </a:extLst>
+          </p:cNvPr>
+          <p:cNvSpPr txBox="1"/>
+          <p:nvPr/>
+        </p:nvSpPr>
+        <p:spPr>
+          <a:xfrm>
+            <a:off x="7137780" y="2593075"/>
+            <a:ext cx="4355526" cy="1477328"/>
+          </a:xfrm>
+          <a:prstGeom prst="rect">
+            <a:avLst/>
+          </a:prstGeom>
+          <a:noFill/>
+        </p:spPr>
+        <p:txBody>
+          <a:bodyPr wrap="square" rtlCol="0">
+            <a:spAutoFit/>
+          </a:bodyPr>
+          <a:lstStyle/>
+          <a:p>
+            <a:r>
+              <a:rPr lang="en-US" dirty="0"/>
+              <a:t>In bigger apps, you can easily end up with tons of unnecessary &lt;div&gt;s(or other elements) which add no semantic meaning or structure to the page but are only there because of </a:t>
+            </a:r>
+            <a:r>
+              <a:rPr lang="en-US" dirty="0" err="1"/>
+              <a:t>React’s</a:t>
+            </a:r>
+            <a:r>
+              <a:rPr lang="en-US" dirty="0"/>
+              <a:t>/JSX requirement.</a:t>
+            </a:r>
+          </a:p>
+        </p:txBody>
+      </p:sp>
+    </p:spTree>
+    <p:extLst>
+      <p:ext uri="{BB962C8B-B14F-4D97-AF65-F5344CB8AC3E}">
+        <p14:creationId xmlns:p14="http://schemas.microsoft.com/office/powerpoint/2010/main" val="3898301940"/>
+      </p:ext>
+    </p:extLst>
+  </p:cSld>
+  <p:clrMapOvr>
+    <a:masterClrMapping/>
+  </p:clrMapOvr>
+</p:sld>
+</file>
+
+<file path=ppt/slides/slide34.xml><?xml version="1.0" encoding="utf-8"?>
+<p:sld xmlns:a="http://schemas.openxmlformats.org/drawingml/2006/main" xmlns:r="http://schemas.openxmlformats.org/officeDocument/2006/relationships" xmlns:p="http://schemas.openxmlformats.org/presentationml/2006/main">
+  <p:cSld>
+    <p:spTree>
+      <p:nvGrpSpPr>
+        <p:cNvPr id="1" name=""/>
+        <p:cNvGrpSpPr/>
+        <p:nvPr/>
+      </p:nvGrpSpPr>
+      <p:grpSpPr>
+        <a:xfrm>
+          <a:off x="0" y="0"/>
+          <a:ext cx="0" cy="0"/>
+          <a:chOff x="0" y="0"/>
+          <a:chExt cx="0" cy="0"/>
+        </a:xfrm>
+      </p:grpSpPr>
+      <p:sp>
+        <p:nvSpPr>
+          <p:cNvPr id="2" name="Title 1">
+            <a:extLst>
+              <a:ext uri="{FF2B5EF4-FFF2-40B4-BE49-F238E27FC236}">
+                <a16:creationId xmlns:a16="http://schemas.microsoft.com/office/drawing/2014/main" id="{A90ECC56-67E3-BB1C-0F14-E72425ACF0CA}"/>
+              </a:ext>
+            </a:extLst>
+          </p:cNvPr>
+          <p:cNvSpPr>
+            <a:spLocks noGrp="1"/>
+          </p:cNvSpPr>
+          <p:nvPr>
+            <p:ph type="title"/>
+          </p:nvPr>
+        </p:nvSpPr>
+        <p:spPr/>
+        <p:txBody>
+          <a:bodyPr/>
+          <a:lstStyle/>
+          <a:p>
+            <a:r>
+              <a:rPr lang="en-US" dirty="0"/>
+              <a:t>Creating a Wrapper Component</a:t>
+            </a:r>
+          </a:p>
+        </p:txBody>
+      </p:sp>
+      <p:sp>
+        <p:nvSpPr>
+          <p:cNvPr id="3" name="Content Placeholder 2">
+            <a:extLst>
+              <a:ext uri="{FF2B5EF4-FFF2-40B4-BE49-F238E27FC236}">
+                <a16:creationId xmlns:a16="http://schemas.microsoft.com/office/drawing/2014/main" id="{3426C7C7-DE45-4B2B-E58D-7ECAF4DE7BD0}"/>
+              </a:ext>
+            </a:extLst>
+          </p:cNvPr>
+          <p:cNvSpPr>
+            <a:spLocks noGrp="1"/>
+          </p:cNvSpPr>
+          <p:nvPr>
+            <p:ph idx="1"/>
+          </p:nvPr>
+        </p:nvSpPr>
+        <p:spPr/>
+        <p:txBody>
+          <a:bodyPr/>
+          <a:lstStyle/>
+          <a:p>
+            <a:pPr marL="0" indent="0">
+              <a:buNone/>
+            </a:pPr>
+            <a:r>
+              <a:rPr lang="en-US" dirty="0"/>
+              <a:t>React Fragments</a:t>
+            </a:r>
+          </a:p>
+        </p:txBody>
+      </p:sp>
+    </p:spTree>
+    <p:extLst>
+      <p:ext uri="{BB962C8B-B14F-4D97-AF65-F5344CB8AC3E}">
+        <p14:creationId xmlns:p14="http://schemas.microsoft.com/office/powerpoint/2010/main" val="3400730733"/>
+      </p:ext>
+    </p:extLst>
+  </p:cSld>
+  <p:clrMapOvr>
+    <a:masterClrMapping/>
+  </p:clrMapOvr>
+</p:sld>
+</file>
+
+<file path=ppt/slides/slide35.xml><?xml version="1.0" encoding="utf-8"?>
+<p:sld xmlns:a="http://schemas.openxmlformats.org/drawingml/2006/main" xmlns:r="http://schemas.openxmlformats.org/officeDocument/2006/relationships" xmlns:p="http://schemas.openxmlformats.org/presentationml/2006/main">
+  <p:cSld>
+    <p:spTree>
+      <p:nvGrpSpPr>
+        <p:cNvPr id="1" name=""/>
+        <p:cNvGrpSpPr/>
+        <p:nvPr/>
+      </p:nvGrpSpPr>
+      <p:grpSpPr>
+        <a:xfrm>
+          <a:off x="0" y="0"/>
+          <a:ext cx="0" cy="0"/>
+          <a:chOff x="0" y="0"/>
+          <a:chExt cx="0" cy="0"/>
+        </a:xfrm>
+      </p:grpSpPr>
+      <p:sp>
+        <p:nvSpPr>
+          <p:cNvPr id="2" name="Title 1">
+            <a:extLst>
+              <a:ext uri="{FF2B5EF4-FFF2-40B4-BE49-F238E27FC236}">
+                <a16:creationId xmlns:a16="http://schemas.microsoft.com/office/drawing/2014/main" id="{11CFB8E0-B66A-9101-28FE-FB0317EDC8C7}"/>
+              </a:ext>
+            </a:extLst>
+          </p:cNvPr>
+          <p:cNvSpPr>
+            <a:spLocks noGrp="1"/>
+          </p:cNvSpPr>
+          <p:nvPr>
+            <p:ph type="title"/>
+          </p:nvPr>
+        </p:nvSpPr>
+        <p:spPr/>
+        <p:txBody>
+          <a:bodyPr/>
+          <a:lstStyle/>
+          <a:p>
+            <a:endParaRPr lang="en-US"/>
+          </a:p>
+        </p:txBody>
+      </p:sp>
+      <p:sp>
+        <p:nvSpPr>
+          <p:cNvPr id="3" name="Content Placeholder 2">
+            <a:extLst>
+              <a:ext uri="{FF2B5EF4-FFF2-40B4-BE49-F238E27FC236}">
+                <a16:creationId xmlns:a16="http://schemas.microsoft.com/office/drawing/2014/main" id="{08A91929-B416-1436-1051-9E6AF17EDB2F}"/>
+              </a:ext>
+            </a:extLst>
+          </p:cNvPr>
+          <p:cNvSpPr>
+            <a:spLocks noGrp="1"/>
+          </p:cNvSpPr>
+          <p:nvPr>
+            <p:ph idx="1"/>
+          </p:nvPr>
+        </p:nvSpPr>
+        <p:spPr>
+          <a:xfrm>
+            <a:off x="838200" y="1825625"/>
+            <a:ext cx="3679209" cy="4351338"/>
+          </a:xfrm>
+        </p:spPr>
+        <p:txBody>
+          <a:bodyPr/>
+          <a:lstStyle/>
+          <a:p>
+            <a:pPr marL="0" indent="0">
+              <a:buNone/>
+            </a:pPr>
+            <a:r>
+              <a:rPr lang="en-US" dirty="0"/>
+              <a:t>Return(</a:t>
+            </a:r>
+          </a:p>
+          <a:p>
+            <a:pPr marL="0" indent="0">
+              <a:buNone/>
+            </a:pPr>
+            <a:r>
+              <a:rPr lang="en-US" dirty="0"/>
+              <a:t>&lt;</a:t>
+            </a:r>
+            <a:r>
+              <a:rPr lang="en-US" dirty="0" err="1"/>
+              <a:t>React.Fragment</a:t>
+            </a:r>
+            <a:r>
+              <a:rPr lang="en-US" dirty="0"/>
+              <a:t>&gt;</a:t>
+            </a:r>
+          </a:p>
+          <a:p>
+            <a:pPr marL="0" indent="0">
+              <a:buNone/>
+            </a:pPr>
+            <a:r>
+              <a:rPr lang="en-US" dirty="0"/>
+              <a:t>&lt;h2&gt;data1&lt;/h2&gt;</a:t>
+            </a:r>
+          </a:p>
+          <a:p>
+            <a:pPr marL="0" indent="0">
+              <a:buNone/>
+            </a:pPr>
+            <a:r>
+              <a:rPr lang="en-US" dirty="0"/>
+              <a:t>&lt;p&gt;data2&lt;/p&gt;</a:t>
+            </a:r>
+          </a:p>
+          <a:p>
+            <a:pPr marL="0" indent="0">
+              <a:buNone/>
+            </a:pPr>
+            <a:r>
+              <a:rPr lang="en-US" dirty="0"/>
+              <a:t>&lt;/</a:t>
+            </a:r>
+            <a:r>
+              <a:rPr lang="en-US" dirty="0" err="1"/>
+              <a:t>React.Fragment</a:t>
+            </a:r>
+            <a:r>
+              <a:rPr lang="en-US" dirty="0"/>
+              <a:t>&gt;</a:t>
+            </a:r>
+          </a:p>
+          <a:p>
+            <a:pPr marL="0" indent="0">
+              <a:buNone/>
+            </a:pPr>
+            <a:r>
+              <a:rPr lang="en-US" dirty="0"/>
+              <a:t>);</a:t>
+            </a:r>
+          </a:p>
+        </p:txBody>
+      </p:sp>
+      <p:sp>
+        <p:nvSpPr>
+          <p:cNvPr id="4" name="Content Placeholder 2">
+            <a:extLst>
+              <a:ext uri="{FF2B5EF4-FFF2-40B4-BE49-F238E27FC236}">
+                <a16:creationId xmlns:a16="http://schemas.microsoft.com/office/drawing/2014/main" id="{E5026ED9-C4AC-D39F-F517-B8E2CC87C421}"/>
+              </a:ext>
+            </a:extLst>
+          </p:cNvPr>
+          <p:cNvSpPr txBox="1">
+            <a:spLocks/>
+          </p:cNvSpPr>
+          <p:nvPr/>
+        </p:nvSpPr>
+        <p:spPr>
+          <a:xfrm>
+            <a:off x="7225352" y="1825625"/>
+            <a:ext cx="3679209" cy="4351338"/>
+          </a:xfrm>
+          <a:prstGeom prst="rect">
+            <a:avLst/>
+          </a:prstGeom>
+        </p:spPr>
+        <p:txBody>
+          <a:bodyPr vert="horz" lIns="91440" tIns="45720" rIns="91440" bIns="45720" rtlCol="0">
+            <a:normAutofit/>
+          </a:bodyPr>
+          <a:lstStyle>
+            <a:lvl1pPr marL="228600" indent="-228600" algn="l" defTabSz="914400" rtl="0" eaLnBrk="1" latinLnBrk="0" hangingPunct="1">
+              <a:lnSpc>
+                <a:spcPct val="90000"/>
+              </a:lnSpc>
+              <a:spcBef>
+                <a:spcPts val="1000"/>
+              </a:spcBef>
+              <a:buFont typeface="Arial" panose="020B0604020202020204" pitchFamily="34" charset="0"/>
+              <a:buChar char="•"/>
+              <a:defRPr sz="2800" kern="1200">
+                <a:solidFill>
+                  <a:schemeClr val="tx1"/>
+                </a:solidFill>
+                <a:latin typeface="+mn-lt"/>
+                <a:ea typeface="+mn-ea"/>
+                <a:cs typeface="+mn-cs"/>
+              </a:defRPr>
+            </a:lvl1pPr>
+            <a:lvl2pPr marL="685800" indent="-228600" algn="l" defTabSz="914400" rtl="0" eaLnBrk="1" latinLnBrk="0" hangingPunct="1">
+              <a:lnSpc>
+                <a:spcPct val="90000"/>
+              </a:lnSpc>
+              <a:spcBef>
+                <a:spcPts val="500"/>
+              </a:spcBef>
+              <a:buFont typeface="Arial" panose="020B0604020202020204" pitchFamily="34" charset="0"/>
+              <a:buChar char="•"/>
+              <a:defRPr sz="2400" kern="1200">
+                <a:solidFill>
+                  <a:schemeClr val="tx1"/>
+                </a:solidFill>
+                <a:latin typeface="+mn-lt"/>
+                <a:ea typeface="+mn-ea"/>
+                <a:cs typeface="+mn-cs"/>
+              </a:defRPr>
+            </a:lvl2pPr>
+            <a:lvl3pPr marL="1143000" indent="-228600" algn="l" defTabSz="914400" rtl="0" eaLnBrk="1" latinLnBrk="0" hangingPunct="1">
+              <a:lnSpc>
+                <a:spcPct val="90000"/>
+              </a:lnSpc>
+              <a:spcBef>
+                <a:spcPts val="500"/>
+              </a:spcBef>
+              <a:buFont typeface="Arial" panose="020B0604020202020204" pitchFamily="34" charset="0"/>
+              <a:buChar char="•"/>
+              <a:defRPr sz="2000" kern="1200">
+                <a:solidFill>
+                  <a:schemeClr val="tx1"/>
+                </a:solidFill>
+                <a:latin typeface="+mn-lt"/>
+                <a:ea typeface="+mn-ea"/>
+                <a:cs typeface="+mn-cs"/>
+              </a:defRPr>
+            </a:lvl3pPr>
+            <a:lvl4pPr marL="1600200" indent="-228600" algn="l" defTabSz="914400" rtl="0" eaLnBrk="1" latinLnBrk="0" hangingPunct="1">
+              <a:lnSpc>
+                <a:spcPct val="90000"/>
+              </a:lnSpc>
+              <a:spcBef>
+                <a:spcPts val="500"/>
+              </a:spcBef>
+              <a:buFont typeface="Arial" panose="020B0604020202020204" pitchFamily="34" charset="0"/>
+              <a:buChar char="•"/>
+              <a:defRPr sz="1800" kern="1200">
+                <a:solidFill>
+                  <a:schemeClr val="tx1"/>
+                </a:solidFill>
+                <a:latin typeface="+mn-lt"/>
+                <a:ea typeface="+mn-ea"/>
+                <a:cs typeface="+mn-cs"/>
+              </a:defRPr>
+            </a:lvl4pPr>
+            <a:lvl5pPr marL="2057400" indent="-228600" algn="l" defTabSz="914400" rtl="0" eaLnBrk="1" latinLnBrk="0" hangingPunct="1">
+              <a:lnSpc>
+                <a:spcPct val="90000"/>
+              </a:lnSpc>
+              <a:spcBef>
+                <a:spcPts val="500"/>
+              </a:spcBef>
+              <a:buFont typeface="Arial" panose="020B0604020202020204" pitchFamily="34" charset="0"/>
+              <a:buChar char="•"/>
+              <a:defRPr sz="1800" kern="1200">
+                <a:solidFill>
+                  <a:schemeClr val="tx1"/>
+                </a:solidFill>
+                <a:latin typeface="+mn-lt"/>
+                <a:ea typeface="+mn-ea"/>
+                <a:cs typeface="+mn-cs"/>
+              </a:defRPr>
+            </a:lvl5pPr>
+            <a:lvl6pPr marL="2514600" indent="-228600" algn="l" defTabSz="914400" rtl="0" eaLnBrk="1" latinLnBrk="0" hangingPunct="1">
+              <a:lnSpc>
+                <a:spcPct val="90000"/>
+              </a:lnSpc>
+              <a:spcBef>
+                <a:spcPts val="500"/>
+              </a:spcBef>
+              <a:buFont typeface="Arial" panose="020B0604020202020204" pitchFamily="34" charset="0"/>
+              <a:buChar char="•"/>
+              <a:defRPr sz="1800" kern="1200">
+                <a:solidFill>
+                  <a:schemeClr val="tx1"/>
+                </a:solidFill>
+                <a:latin typeface="+mn-lt"/>
+                <a:ea typeface="+mn-ea"/>
+                <a:cs typeface="+mn-cs"/>
+              </a:defRPr>
+            </a:lvl6pPr>
+            <a:lvl7pPr marL="2971800" indent="-228600" algn="l" defTabSz="914400" rtl="0" eaLnBrk="1" latinLnBrk="0" hangingPunct="1">
+              <a:lnSpc>
+                <a:spcPct val="90000"/>
+              </a:lnSpc>
+              <a:spcBef>
+                <a:spcPts val="500"/>
+              </a:spcBef>
+              <a:buFont typeface="Arial" panose="020B0604020202020204" pitchFamily="34" charset="0"/>
+              <a:buChar char="•"/>
+              <a:defRPr sz="1800" kern="1200">
+                <a:solidFill>
+                  <a:schemeClr val="tx1"/>
+                </a:solidFill>
+                <a:latin typeface="+mn-lt"/>
+                <a:ea typeface="+mn-ea"/>
+                <a:cs typeface="+mn-cs"/>
+              </a:defRPr>
+            </a:lvl7pPr>
+            <a:lvl8pPr marL="3429000" indent="-228600" algn="l" defTabSz="914400" rtl="0" eaLnBrk="1" latinLnBrk="0" hangingPunct="1">
+              <a:lnSpc>
+                <a:spcPct val="90000"/>
+              </a:lnSpc>
+              <a:spcBef>
+                <a:spcPts val="500"/>
+              </a:spcBef>
+              <a:buFont typeface="Arial" panose="020B0604020202020204" pitchFamily="34" charset="0"/>
+              <a:buChar char="•"/>
+              <a:defRPr sz="1800" kern="1200">
+                <a:solidFill>
+                  <a:schemeClr val="tx1"/>
+                </a:solidFill>
+                <a:latin typeface="+mn-lt"/>
+                <a:ea typeface="+mn-ea"/>
+                <a:cs typeface="+mn-cs"/>
+              </a:defRPr>
+            </a:lvl8pPr>
+            <a:lvl9pPr marL="3886200" indent="-228600" algn="l" defTabSz="914400" rtl="0" eaLnBrk="1" latinLnBrk="0" hangingPunct="1">
+              <a:lnSpc>
+                <a:spcPct val="90000"/>
+              </a:lnSpc>
+              <a:spcBef>
+                <a:spcPts val="500"/>
+              </a:spcBef>
+              <a:buFont typeface="Arial" panose="020B0604020202020204" pitchFamily="34" charset="0"/>
+              <a:buChar char="•"/>
+              <a:defRPr sz="1800" kern="1200">
+                <a:solidFill>
+                  <a:schemeClr val="tx1"/>
+                </a:solidFill>
+                <a:latin typeface="+mn-lt"/>
+                <a:ea typeface="+mn-ea"/>
+                <a:cs typeface="+mn-cs"/>
+              </a:defRPr>
+            </a:lvl9pPr>
+          </a:lstStyle>
+          <a:p>
+            <a:pPr marL="0" indent="0">
+              <a:buFont typeface="Arial" panose="020B0604020202020204" pitchFamily="34" charset="0"/>
+              <a:buNone/>
+            </a:pPr>
+            <a:r>
+              <a:rPr lang="en-US" dirty="0"/>
+              <a:t>Return(</a:t>
+            </a:r>
+          </a:p>
+          <a:p>
+            <a:pPr marL="0" indent="0">
+              <a:buFont typeface="Arial" panose="020B0604020202020204" pitchFamily="34" charset="0"/>
+              <a:buNone/>
+            </a:pPr>
+            <a:r>
+              <a:rPr lang="en-US" dirty="0"/>
+              <a:t>&lt;&gt;</a:t>
+            </a:r>
+          </a:p>
+          <a:p>
+            <a:pPr marL="0" indent="0">
+              <a:buFont typeface="Arial" panose="020B0604020202020204" pitchFamily="34" charset="0"/>
+              <a:buNone/>
+            </a:pPr>
+            <a:r>
+              <a:rPr lang="en-US" dirty="0"/>
+              <a:t>&lt;h2&gt;data1&lt;/h2&gt;</a:t>
+            </a:r>
+          </a:p>
+          <a:p>
+            <a:pPr marL="0" indent="0">
+              <a:buFont typeface="Arial" panose="020B0604020202020204" pitchFamily="34" charset="0"/>
+              <a:buNone/>
+            </a:pPr>
+            <a:r>
+              <a:rPr lang="en-US" dirty="0"/>
+              <a:t>&lt;p&gt;data2&lt;/p&gt;</a:t>
+            </a:r>
+          </a:p>
+          <a:p>
+            <a:pPr marL="0" indent="0">
+              <a:buFont typeface="Arial" panose="020B0604020202020204" pitchFamily="34" charset="0"/>
+              <a:buNone/>
+            </a:pPr>
+            <a:r>
+              <a:rPr lang="en-US" dirty="0"/>
+              <a:t>&lt;/&gt;</a:t>
+            </a:r>
+          </a:p>
+          <a:p>
+            <a:pPr marL="0" indent="0">
+              <a:buFont typeface="Arial" panose="020B0604020202020204" pitchFamily="34" charset="0"/>
+              <a:buNone/>
+            </a:pPr>
+            <a:r>
+              <a:rPr lang="en-US" dirty="0"/>
+              <a:t>);</a:t>
+            </a:r>
+          </a:p>
+        </p:txBody>
+      </p:sp>
+      <p:sp>
+        <p:nvSpPr>
+          <p:cNvPr id="5" name="TextBox 4">
+            <a:extLst>
+              <a:ext uri="{FF2B5EF4-FFF2-40B4-BE49-F238E27FC236}">
+                <a16:creationId xmlns:a16="http://schemas.microsoft.com/office/drawing/2014/main" id="{C6F049BC-3EC4-94D0-F38B-8A87A21F9A3D}"/>
+              </a:ext>
+            </a:extLst>
+          </p:cNvPr>
+          <p:cNvSpPr txBox="1"/>
+          <p:nvPr/>
+        </p:nvSpPr>
+        <p:spPr>
+          <a:xfrm>
+            <a:off x="1037230" y="5263260"/>
+            <a:ext cx="10686197" cy="646331"/>
+          </a:xfrm>
+          <a:prstGeom prst="rect">
+            <a:avLst/>
+          </a:prstGeom>
+          <a:noFill/>
+        </p:spPr>
+        <p:txBody>
+          <a:bodyPr wrap="square" rtlCol="0">
+            <a:spAutoFit/>
+          </a:bodyPr>
+          <a:lstStyle/>
+          <a:p>
+            <a:r>
+              <a:rPr lang="en-US" dirty="0"/>
+              <a:t>It’s an empty wrapper component; it doesn’t render any real HTML element to the DOM. But it fulfills </a:t>
+            </a:r>
+            <a:r>
+              <a:rPr lang="en-US" dirty="0" err="1"/>
+              <a:t>React’s</a:t>
+            </a:r>
+            <a:r>
+              <a:rPr lang="en-US" dirty="0"/>
+              <a:t>/JSX requirement.</a:t>
+            </a:r>
+          </a:p>
+        </p:txBody>
+      </p:sp>
+    </p:spTree>
+    <p:extLst>
+      <p:ext uri="{BB962C8B-B14F-4D97-AF65-F5344CB8AC3E}">
+        <p14:creationId xmlns:p14="http://schemas.microsoft.com/office/powerpoint/2010/main" val="1656740608"/>
+      </p:ext>
+    </p:extLst>
+  </p:cSld>
+  <p:clrMapOvr>
+    <a:masterClrMapping/>
+  </p:clrMapOvr>
+</p:sld>
+</file>
+
+<file path=ppt/slides/slide36.xml><?xml version="1.0" encoding="utf-8"?>
+<p:sld xmlns:a="http://schemas.openxmlformats.org/drawingml/2006/main" xmlns:r="http://schemas.openxmlformats.org/officeDocument/2006/relationships" xmlns:p="http://schemas.openxmlformats.org/presentationml/2006/main">
+  <p:cSld>
+    <p:spTree>
+      <p:nvGrpSpPr>
+        <p:cNvPr id="1" name=""/>
+        <p:cNvGrpSpPr/>
+        <p:nvPr/>
+      </p:nvGrpSpPr>
+      <p:grpSpPr>
+        <a:xfrm>
+          <a:off x="0" y="0"/>
+          <a:ext cx="0" cy="0"/>
+          <a:chOff x="0" y="0"/>
+          <a:chExt cx="0" cy="0"/>
+        </a:xfrm>
+      </p:grpSpPr>
+      <p:sp>
+        <p:nvSpPr>
+          <p:cNvPr id="2" name="Title 1">
+            <a:extLst>
+              <a:ext uri="{FF2B5EF4-FFF2-40B4-BE49-F238E27FC236}">
+                <a16:creationId xmlns:a16="http://schemas.microsoft.com/office/drawing/2014/main" id="{E8F13A64-9590-557C-2D30-BCA05EFBB346}"/>
+              </a:ext>
+            </a:extLst>
+          </p:cNvPr>
+          <p:cNvSpPr>
+            <a:spLocks noGrp="1"/>
+          </p:cNvSpPr>
+          <p:nvPr>
+            <p:ph type="title"/>
+          </p:nvPr>
+        </p:nvSpPr>
+        <p:spPr/>
+        <p:txBody>
+          <a:bodyPr/>
+          <a:lstStyle/>
+          <a:p>
+            <a:r>
+              <a:rPr lang="en-US" dirty="0"/>
+              <a:t>React Portals</a:t>
+            </a:r>
+          </a:p>
+        </p:txBody>
+      </p:sp>
+      <p:sp>
+        <p:nvSpPr>
+          <p:cNvPr id="3" name="Content Placeholder 2">
+            <a:extLst>
+              <a:ext uri="{FF2B5EF4-FFF2-40B4-BE49-F238E27FC236}">
+                <a16:creationId xmlns:a16="http://schemas.microsoft.com/office/drawing/2014/main" id="{38895061-D440-C26F-2675-238C3E489FD2}"/>
+              </a:ext>
+            </a:extLst>
+          </p:cNvPr>
+          <p:cNvSpPr>
+            <a:spLocks noGrp="1"/>
+          </p:cNvSpPr>
+          <p:nvPr>
+            <p:ph idx="1"/>
+          </p:nvPr>
+        </p:nvSpPr>
+        <p:spPr>
+          <a:xfrm>
+            <a:off x="838200" y="1825626"/>
+            <a:ext cx="4293358" cy="1995748"/>
+          </a:xfrm>
+        </p:spPr>
+        <p:txBody>
+          <a:bodyPr>
+            <a:normAutofit fontScale="62500" lnSpcReduction="20000"/>
+          </a:bodyPr>
+          <a:lstStyle/>
+          <a:p>
+            <a:pPr marL="0" indent="0">
+              <a:buNone/>
+            </a:pPr>
+            <a:r>
+              <a:rPr lang="en-US" dirty="0"/>
+              <a:t>Return(</a:t>
+            </a:r>
+          </a:p>
+          <a:p>
+            <a:pPr marL="0" indent="0">
+              <a:buNone/>
+            </a:pPr>
+            <a:r>
+              <a:rPr lang="en-US" dirty="0"/>
+              <a:t>&lt;</a:t>
+            </a:r>
+            <a:r>
+              <a:rPr lang="en-US" dirty="0" err="1"/>
+              <a:t>React.Fragment</a:t>
+            </a:r>
+            <a:r>
+              <a:rPr lang="en-US" dirty="0"/>
+              <a:t>&gt;</a:t>
+            </a:r>
+          </a:p>
+          <a:p>
+            <a:pPr marL="0" indent="0">
+              <a:buNone/>
+            </a:pPr>
+            <a:r>
+              <a:rPr lang="en-US" dirty="0"/>
+              <a:t>	&lt;</a:t>
+            </a:r>
+            <a:r>
+              <a:rPr lang="en-US" dirty="0" err="1"/>
+              <a:t>MyModal</a:t>
+            </a:r>
+            <a:r>
+              <a:rPr lang="en-US" dirty="0"/>
+              <a:t>/&gt;</a:t>
+            </a:r>
+          </a:p>
+          <a:p>
+            <a:pPr marL="0" indent="0">
+              <a:buNone/>
+            </a:pPr>
+            <a:r>
+              <a:rPr lang="en-US" dirty="0"/>
+              <a:t>	&lt;</a:t>
+            </a:r>
+            <a:r>
+              <a:rPr lang="en-US" dirty="0" err="1"/>
+              <a:t>MyInputForm</a:t>
+            </a:r>
+            <a:r>
+              <a:rPr lang="en-US" dirty="0"/>
+              <a:t>/&gt;</a:t>
+            </a:r>
+          </a:p>
+          <a:p>
+            <a:pPr marL="0" indent="0">
+              <a:buNone/>
+            </a:pPr>
+            <a:r>
+              <a:rPr lang="en-US" dirty="0"/>
+              <a:t>&lt;/</a:t>
+            </a:r>
+            <a:r>
+              <a:rPr lang="en-US" dirty="0" err="1"/>
+              <a:t>React.Fragment</a:t>
+            </a:r>
+            <a:r>
+              <a:rPr lang="en-US" dirty="0"/>
+              <a:t>&gt;</a:t>
+            </a:r>
+          </a:p>
+          <a:p>
+            <a:pPr marL="0" indent="0">
+              <a:buNone/>
+            </a:pPr>
+            <a:r>
+              <a:rPr lang="en-US" dirty="0"/>
+              <a:t>)</a:t>
+            </a:r>
+          </a:p>
+        </p:txBody>
+      </p:sp>
+      <p:sp>
+        <p:nvSpPr>
+          <p:cNvPr id="4" name="Content Placeholder 2">
+            <a:extLst>
+              <a:ext uri="{FF2B5EF4-FFF2-40B4-BE49-F238E27FC236}">
+                <a16:creationId xmlns:a16="http://schemas.microsoft.com/office/drawing/2014/main" id="{A3AE1D4E-FB03-803E-C0AF-025357779CFA}"/>
+              </a:ext>
+            </a:extLst>
+          </p:cNvPr>
+          <p:cNvSpPr txBox="1">
+            <a:spLocks/>
+          </p:cNvSpPr>
+          <p:nvPr/>
+        </p:nvSpPr>
+        <p:spPr>
+          <a:xfrm>
+            <a:off x="6196084" y="1825625"/>
+            <a:ext cx="5322626" cy="4351338"/>
+          </a:xfrm>
+          <a:prstGeom prst="rect">
+            <a:avLst/>
+          </a:prstGeom>
+        </p:spPr>
+        <p:txBody>
+          <a:bodyPr vert="horz" lIns="91440" tIns="45720" rIns="91440" bIns="45720" rtlCol="0">
+            <a:normAutofit fontScale="92500" lnSpcReduction="20000"/>
+          </a:bodyPr>
+          <a:lstStyle>
+            <a:lvl1pPr marL="228600" indent="-228600" algn="l" defTabSz="914400" rtl="0" eaLnBrk="1" latinLnBrk="0" hangingPunct="1">
+              <a:lnSpc>
+                <a:spcPct val="90000"/>
+              </a:lnSpc>
+              <a:spcBef>
+                <a:spcPts val="1000"/>
+              </a:spcBef>
+              <a:buFont typeface="Arial" panose="020B0604020202020204" pitchFamily="34" charset="0"/>
+              <a:buChar char="•"/>
+              <a:defRPr sz="2800" kern="1200">
+                <a:solidFill>
+                  <a:schemeClr val="tx1"/>
+                </a:solidFill>
+                <a:latin typeface="+mn-lt"/>
+                <a:ea typeface="+mn-ea"/>
+                <a:cs typeface="+mn-cs"/>
+              </a:defRPr>
+            </a:lvl1pPr>
+            <a:lvl2pPr marL="685800" indent="-228600" algn="l" defTabSz="914400" rtl="0" eaLnBrk="1" latinLnBrk="0" hangingPunct="1">
+              <a:lnSpc>
+                <a:spcPct val="90000"/>
+              </a:lnSpc>
+              <a:spcBef>
+                <a:spcPts val="500"/>
+              </a:spcBef>
+              <a:buFont typeface="Arial" panose="020B0604020202020204" pitchFamily="34" charset="0"/>
+              <a:buChar char="•"/>
+              <a:defRPr sz="2400" kern="1200">
+                <a:solidFill>
+                  <a:schemeClr val="tx1"/>
+                </a:solidFill>
+                <a:latin typeface="+mn-lt"/>
+                <a:ea typeface="+mn-ea"/>
+                <a:cs typeface="+mn-cs"/>
+              </a:defRPr>
+            </a:lvl2pPr>
+            <a:lvl3pPr marL="1143000" indent="-228600" algn="l" defTabSz="914400" rtl="0" eaLnBrk="1" latinLnBrk="0" hangingPunct="1">
+              <a:lnSpc>
+                <a:spcPct val="90000"/>
+              </a:lnSpc>
+              <a:spcBef>
+                <a:spcPts val="500"/>
+              </a:spcBef>
+              <a:buFont typeface="Arial" panose="020B0604020202020204" pitchFamily="34" charset="0"/>
+              <a:buChar char="•"/>
+              <a:defRPr sz="2000" kern="1200">
+                <a:solidFill>
+                  <a:schemeClr val="tx1"/>
+                </a:solidFill>
+                <a:latin typeface="+mn-lt"/>
+                <a:ea typeface="+mn-ea"/>
+                <a:cs typeface="+mn-cs"/>
+              </a:defRPr>
+            </a:lvl3pPr>
+            <a:lvl4pPr marL="1600200" indent="-228600" algn="l" defTabSz="914400" rtl="0" eaLnBrk="1" latinLnBrk="0" hangingPunct="1">
+              <a:lnSpc>
+                <a:spcPct val="90000"/>
+              </a:lnSpc>
+              <a:spcBef>
+                <a:spcPts val="500"/>
+              </a:spcBef>
+              <a:buFont typeface="Arial" panose="020B0604020202020204" pitchFamily="34" charset="0"/>
+              <a:buChar char="•"/>
+              <a:defRPr sz="1800" kern="1200">
+                <a:solidFill>
+                  <a:schemeClr val="tx1"/>
+                </a:solidFill>
+                <a:latin typeface="+mn-lt"/>
+                <a:ea typeface="+mn-ea"/>
+                <a:cs typeface="+mn-cs"/>
+              </a:defRPr>
+            </a:lvl4pPr>
+            <a:lvl5pPr marL="2057400" indent="-228600" algn="l" defTabSz="914400" rtl="0" eaLnBrk="1" latinLnBrk="0" hangingPunct="1">
+              <a:lnSpc>
+                <a:spcPct val="90000"/>
+              </a:lnSpc>
+              <a:spcBef>
+                <a:spcPts val="500"/>
+              </a:spcBef>
+              <a:buFont typeface="Arial" panose="020B0604020202020204" pitchFamily="34" charset="0"/>
+              <a:buChar char="•"/>
+              <a:defRPr sz="1800" kern="1200">
+                <a:solidFill>
+                  <a:schemeClr val="tx1"/>
+                </a:solidFill>
+                <a:latin typeface="+mn-lt"/>
+                <a:ea typeface="+mn-ea"/>
+                <a:cs typeface="+mn-cs"/>
+              </a:defRPr>
+            </a:lvl5pPr>
+            <a:lvl6pPr marL="2514600" indent="-228600" algn="l" defTabSz="914400" rtl="0" eaLnBrk="1" latinLnBrk="0" hangingPunct="1">
+              <a:lnSpc>
+                <a:spcPct val="90000"/>
+              </a:lnSpc>
+              <a:spcBef>
+                <a:spcPts val="500"/>
+              </a:spcBef>
+              <a:buFont typeface="Arial" panose="020B0604020202020204" pitchFamily="34" charset="0"/>
+              <a:buChar char="•"/>
+              <a:defRPr sz="1800" kern="1200">
+                <a:solidFill>
+                  <a:schemeClr val="tx1"/>
+                </a:solidFill>
+                <a:latin typeface="+mn-lt"/>
+                <a:ea typeface="+mn-ea"/>
+                <a:cs typeface="+mn-cs"/>
+              </a:defRPr>
+            </a:lvl6pPr>
+            <a:lvl7pPr marL="2971800" indent="-228600" algn="l" defTabSz="914400" rtl="0" eaLnBrk="1" latinLnBrk="0" hangingPunct="1">
+              <a:lnSpc>
+                <a:spcPct val="90000"/>
+              </a:lnSpc>
+              <a:spcBef>
+                <a:spcPts val="500"/>
+              </a:spcBef>
+              <a:buFont typeface="Arial" panose="020B0604020202020204" pitchFamily="34" charset="0"/>
+              <a:buChar char="•"/>
+              <a:defRPr sz="1800" kern="1200">
+                <a:solidFill>
+                  <a:schemeClr val="tx1"/>
+                </a:solidFill>
+                <a:latin typeface="+mn-lt"/>
+                <a:ea typeface="+mn-ea"/>
+                <a:cs typeface="+mn-cs"/>
+              </a:defRPr>
+            </a:lvl7pPr>
+            <a:lvl8pPr marL="3429000" indent="-228600" algn="l" defTabSz="914400" rtl="0" eaLnBrk="1" latinLnBrk="0" hangingPunct="1">
+              <a:lnSpc>
+                <a:spcPct val="90000"/>
+              </a:lnSpc>
+              <a:spcBef>
+                <a:spcPts val="500"/>
+              </a:spcBef>
+              <a:buFont typeface="Arial" panose="020B0604020202020204" pitchFamily="34" charset="0"/>
+              <a:buChar char="•"/>
+              <a:defRPr sz="1800" kern="1200">
+                <a:solidFill>
+                  <a:schemeClr val="tx1"/>
+                </a:solidFill>
+                <a:latin typeface="+mn-lt"/>
+                <a:ea typeface="+mn-ea"/>
+                <a:cs typeface="+mn-cs"/>
+              </a:defRPr>
+            </a:lvl8pPr>
+            <a:lvl9pPr marL="3886200" indent="-228600" algn="l" defTabSz="914400" rtl="0" eaLnBrk="1" latinLnBrk="0" hangingPunct="1">
+              <a:lnSpc>
+                <a:spcPct val="90000"/>
+              </a:lnSpc>
+              <a:spcBef>
+                <a:spcPts val="500"/>
+              </a:spcBef>
+              <a:buFont typeface="Arial" panose="020B0604020202020204" pitchFamily="34" charset="0"/>
+              <a:buChar char="•"/>
+              <a:defRPr sz="1800" kern="1200">
+                <a:solidFill>
+                  <a:schemeClr val="tx1"/>
+                </a:solidFill>
+                <a:latin typeface="+mn-lt"/>
+                <a:ea typeface="+mn-ea"/>
+                <a:cs typeface="+mn-cs"/>
+              </a:defRPr>
+            </a:lvl9pPr>
+          </a:lstStyle>
+          <a:p>
+            <a:pPr marL="0" indent="0">
+              <a:buFont typeface="Arial" panose="020B0604020202020204" pitchFamily="34" charset="0"/>
+              <a:buNone/>
+            </a:pPr>
+            <a:r>
+              <a:rPr lang="en-US" dirty="0"/>
+              <a:t>&lt;section&gt;</a:t>
+            </a:r>
+          </a:p>
+          <a:p>
+            <a:pPr marL="0" indent="0">
+              <a:buFont typeface="Arial" panose="020B0604020202020204" pitchFamily="34" charset="0"/>
+              <a:buNone/>
+            </a:pPr>
+            <a:r>
+              <a:rPr lang="en-US" dirty="0"/>
+              <a:t>&lt;h2&gt;Some data&lt;/h2&gt;</a:t>
+            </a:r>
+          </a:p>
+          <a:p>
+            <a:pPr marL="0" indent="0">
+              <a:buFont typeface="Arial" panose="020B0604020202020204" pitchFamily="34" charset="0"/>
+              <a:buNone/>
+            </a:pPr>
+            <a:r>
+              <a:rPr lang="en-US" dirty="0"/>
+              <a:t>&lt;div class=“my-modal&gt;</a:t>
+            </a:r>
+          </a:p>
+          <a:p>
+            <a:pPr marL="0" indent="0">
+              <a:buFont typeface="Arial" panose="020B0604020202020204" pitchFamily="34" charset="0"/>
+              <a:buNone/>
+            </a:pPr>
+            <a:r>
+              <a:rPr lang="en-US" dirty="0"/>
+              <a:t>	&lt;h2&gt;Modal data&lt;/h2&gt;</a:t>
+            </a:r>
+          </a:p>
+          <a:p>
+            <a:pPr marL="0" indent="0">
+              <a:buFont typeface="Arial" panose="020B0604020202020204" pitchFamily="34" charset="0"/>
+              <a:buNone/>
+            </a:pPr>
+            <a:r>
+              <a:rPr lang="en-US" dirty="0"/>
+              <a:t>&lt;/div&gt;</a:t>
+            </a:r>
+          </a:p>
+          <a:p>
+            <a:pPr marL="0" indent="0">
+              <a:buFont typeface="Arial" panose="020B0604020202020204" pitchFamily="34" charset="0"/>
+              <a:buNone/>
+            </a:pPr>
+            <a:r>
+              <a:rPr lang="en-US" dirty="0"/>
+              <a:t>&lt;form&gt;</a:t>
+            </a:r>
+          </a:p>
+          <a:p>
+            <a:pPr marL="0" indent="0">
+              <a:buFont typeface="Arial" panose="020B0604020202020204" pitchFamily="34" charset="0"/>
+              <a:buNone/>
+            </a:pPr>
+            <a:r>
+              <a:rPr lang="en-US" dirty="0"/>
+              <a:t>	&lt;label&gt;Username&lt;/label&gt;</a:t>
+            </a:r>
+          </a:p>
+          <a:p>
+            <a:pPr marL="0" indent="0">
+              <a:buFont typeface="Arial" panose="020B0604020202020204" pitchFamily="34" charset="0"/>
+              <a:buNone/>
+            </a:pPr>
+            <a:r>
+              <a:rPr lang="en-US" dirty="0"/>
+              <a:t>	&lt;input type=“text” /&gt;</a:t>
+            </a:r>
+            <a:br>
+              <a:rPr lang="en-US" dirty="0"/>
+            </a:br>
+            <a:r>
+              <a:rPr lang="en-US" dirty="0"/>
+              <a:t>&lt;/form&gt;</a:t>
+            </a:r>
+          </a:p>
+          <a:p>
+            <a:pPr marL="0" indent="0">
+              <a:buFont typeface="Arial" panose="020B0604020202020204" pitchFamily="34" charset="0"/>
+              <a:buNone/>
+            </a:pPr>
+            <a:r>
+              <a:rPr lang="en-US" dirty="0"/>
+              <a:t>&lt;/section&gt;</a:t>
+            </a:r>
+          </a:p>
+          <a:p>
+            <a:pPr marL="0" indent="0">
+              <a:buFont typeface="Arial" panose="020B0604020202020204" pitchFamily="34" charset="0"/>
+              <a:buNone/>
+            </a:pPr>
+            <a:r>
+              <a:rPr lang="en-US" dirty="0"/>
+              <a:t>		</a:t>
+            </a:r>
+            <a:r>
+              <a:rPr lang="en-US" dirty="0" err="1"/>
+              <a:t>RealDOM</a:t>
+            </a:r>
+            <a:endParaRPr lang="en-US" dirty="0"/>
+          </a:p>
+        </p:txBody>
+      </p:sp>
+      <p:sp>
+        <p:nvSpPr>
+          <p:cNvPr id="5" name="TextBox 4">
+            <a:extLst>
+              <a:ext uri="{FF2B5EF4-FFF2-40B4-BE49-F238E27FC236}">
+                <a16:creationId xmlns:a16="http://schemas.microsoft.com/office/drawing/2014/main" id="{EF6F4735-BF8B-6D26-B2A4-0904A10E2889}"/>
+              </a:ext>
+            </a:extLst>
+          </p:cNvPr>
+          <p:cNvSpPr txBox="1"/>
+          <p:nvPr/>
+        </p:nvSpPr>
+        <p:spPr>
+          <a:xfrm>
+            <a:off x="218364" y="3985146"/>
+            <a:ext cx="5322627" cy="2677656"/>
+          </a:xfrm>
+          <a:prstGeom prst="rect">
+            <a:avLst/>
+          </a:prstGeom>
+          <a:noFill/>
+        </p:spPr>
+        <p:txBody>
+          <a:bodyPr wrap="square" rtlCol="0">
+            <a:spAutoFit/>
+          </a:bodyPr>
+          <a:lstStyle/>
+          <a:p>
+            <a:pPr algn="just"/>
+            <a:r>
+              <a:rPr lang="en-US" sz="2800" dirty="0"/>
+              <a:t>Semantically and from a “clean HTML structure” perspective, having this nested modal isn’t ideal. It is an overlay to the entire page after all (that’s similar for side-drawers, other dialogs etc.)</a:t>
+            </a:r>
+          </a:p>
+        </p:txBody>
+      </p:sp>
+    </p:spTree>
+    <p:extLst>
+      <p:ext uri="{BB962C8B-B14F-4D97-AF65-F5344CB8AC3E}">
+        <p14:creationId xmlns:p14="http://schemas.microsoft.com/office/powerpoint/2010/main" val="1474831343"/>
+      </p:ext>
+    </p:extLst>
+  </p:cSld>
+  <p:clrMapOvr>
+    <a:masterClrMapping/>
+  </p:clrMapOvr>
+</p:sld>
+</file>
+
+<file path=ppt/slides/slide37.xml><?xml version="1.0" encoding="utf-8"?>
+<p:sld xmlns:a="http://schemas.openxmlformats.org/drawingml/2006/main" xmlns:r="http://schemas.openxmlformats.org/officeDocument/2006/relationships" xmlns:p="http://schemas.openxmlformats.org/presentationml/2006/main">
+  <p:cSld>
+    <p:spTree>
+      <p:nvGrpSpPr>
+        <p:cNvPr id="1" name=""/>
+        <p:cNvGrpSpPr/>
+        <p:nvPr/>
+      </p:nvGrpSpPr>
+      <p:grpSpPr>
+        <a:xfrm>
+          <a:off x="0" y="0"/>
+          <a:ext cx="0" cy="0"/>
+          <a:chOff x="0" y="0"/>
+          <a:chExt cx="0" cy="0"/>
+        </a:xfrm>
+      </p:grpSpPr>
+      <p:sp>
+        <p:nvSpPr>
+          <p:cNvPr id="2" name="Title 1">
+            <a:extLst>
+              <a:ext uri="{FF2B5EF4-FFF2-40B4-BE49-F238E27FC236}">
+                <a16:creationId xmlns:a16="http://schemas.microsoft.com/office/drawing/2014/main" id="{E8F13A64-9590-557C-2D30-BCA05EFBB346}"/>
+              </a:ext>
+            </a:extLst>
+          </p:cNvPr>
+          <p:cNvSpPr>
+            <a:spLocks noGrp="1"/>
+          </p:cNvSpPr>
+          <p:nvPr>
+            <p:ph type="title"/>
+          </p:nvPr>
+        </p:nvSpPr>
+        <p:spPr/>
+        <p:txBody>
+          <a:bodyPr/>
+          <a:lstStyle/>
+          <a:p>
+            <a:r>
+              <a:rPr lang="en-US" dirty="0"/>
+              <a:t>React Portals</a:t>
+            </a:r>
+          </a:p>
+        </p:txBody>
+      </p:sp>
+      <p:sp>
+        <p:nvSpPr>
+          <p:cNvPr id="3" name="Content Placeholder 2">
+            <a:extLst>
+              <a:ext uri="{FF2B5EF4-FFF2-40B4-BE49-F238E27FC236}">
+                <a16:creationId xmlns:a16="http://schemas.microsoft.com/office/drawing/2014/main" id="{38895061-D440-C26F-2675-238C3E489FD2}"/>
+              </a:ext>
+            </a:extLst>
+          </p:cNvPr>
+          <p:cNvSpPr>
+            <a:spLocks noGrp="1"/>
+          </p:cNvSpPr>
+          <p:nvPr>
+            <p:ph idx="1"/>
+          </p:nvPr>
+        </p:nvSpPr>
+        <p:spPr>
+          <a:xfrm>
+            <a:off x="838200" y="1825625"/>
+            <a:ext cx="4293358" cy="4351337"/>
+          </a:xfrm>
+        </p:spPr>
+        <p:txBody>
+          <a:bodyPr>
+            <a:normAutofit/>
+          </a:bodyPr>
+          <a:lstStyle/>
+          <a:p>
+            <a:pPr marL="0" indent="0">
+              <a:buNone/>
+            </a:pPr>
+            <a:r>
+              <a:rPr lang="en-US" dirty="0"/>
+              <a:t>Return(</a:t>
+            </a:r>
+          </a:p>
+          <a:p>
+            <a:pPr marL="0" indent="0">
+              <a:buNone/>
+            </a:pPr>
+            <a:r>
+              <a:rPr lang="en-US" dirty="0"/>
+              <a:t>&lt;</a:t>
+            </a:r>
+            <a:r>
+              <a:rPr lang="en-US" dirty="0" err="1"/>
+              <a:t>React.Fragment</a:t>
+            </a:r>
+            <a:r>
+              <a:rPr lang="en-US" dirty="0"/>
+              <a:t>&gt;</a:t>
+            </a:r>
+          </a:p>
+          <a:p>
+            <a:pPr marL="0" indent="0">
+              <a:buNone/>
+            </a:pPr>
+            <a:r>
+              <a:rPr lang="en-US" dirty="0"/>
+              <a:t>	&lt;</a:t>
+            </a:r>
+            <a:r>
+              <a:rPr lang="en-US" dirty="0" err="1"/>
+              <a:t>MyModal</a:t>
+            </a:r>
+            <a:r>
+              <a:rPr lang="en-US" dirty="0"/>
+              <a:t>/&gt;</a:t>
+            </a:r>
+          </a:p>
+          <a:p>
+            <a:pPr marL="0" indent="0">
+              <a:buNone/>
+            </a:pPr>
+            <a:r>
+              <a:rPr lang="en-US" dirty="0"/>
+              <a:t>	&lt;</a:t>
+            </a:r>
+            <a:r>
+              <a:rPr lang="en-US" dirty="0" err="1"/>
+              <a:t>MyInputForm</a:t>
+            </a:r>
+            <a:r>
+              <a:rPr lang="en-US" dirty="0"/>
+              <a:t>/&gt;</a:t>
+            </a:r>
+          </a:p>
+          <a:p>
+            <a:pPr marL="0" indent="0">
+              <a:buNone/>
+            </a:pPr>
+            <a:r>
+              <a:rPr lang="en-US" dirty="0"/>
+              <a:t>&lt;/</a:t>
+            </a:r>
+            <a:r>
+              <a:rPr lang="en-US" dirty="0" err="1"/>
+              <a:t>React.Fragment</a:t>
+            </a:r>
+            <a:r>
+              <a:rPr lang="en-US" dirty="0"/>
+              <a:t>&gt;</a:t>
+            </a:r>
+          </a:p>
+          <a:p>
+            <a:pPr marL="0" indent="0">
+              <a:buNone/>
+            </a:pPr>
+            <a:r>
+              <a:rPr lang="en-US" dirty="0"/>
+              <a:t>)</a:t>
+            </a:r>
+          </a:p>
+        </p:txBody>
+      </p:sp>
+      <p:sp>
+        <p:nvSpPr>
+          <p:cNvPr id="4" name="Content Placeholder 2">
+            <a:extLst>
+              <a:ext uri="{FF2B5EF4-FFF2-40B4-BE49-F238E27FC236}">
+                <a16:creationId xmlns:a16="http://schemas.microsoft.com/office/drawing/2014/main" id="{A3AE1D4E-FB03-803E-C0AF-025357779CFA}"/>
+              </a:ext>
+            </a:extLst>
+          </p:cNvPr>
+          <p:cNvSpPr txBox="1">
+            <a:spLocks/>
+          </p:cNvSpPr>
+          <p:nvPr/>
+        </p:nvSpPr>
+        <p:spPr>
+          <a:xfrm>
+            <a:off x="6196084" y="1825625"/>
+            <a:ext cx="5322626" cy="4351338"/>
+          </a:xfrm>
+          <a:prstGeom prst="rect">
+            <a:avLst/>
+          </a:prstGeom>
+        </p:spPr>
+        <p:txBody>
+          <a:bodyPr vert="horz" lIns="91440" tIns="45720" rIns="91440" bIns="45720" rtlCol="0">
+            <a:normAutofit fontScale="85000" lnSpcReduction="20000"/>
+          </a:bodyPr>
+          <a:lstStyle>
+            <a:lvl1pPr marL="228600" indent="-228600" algn="l" defTabSz="914400" rtl="0" eaLnBrk="1" latinLnBrk="0" hangingPunct="1">
+              <a:lnSpc>
+                <a:spcPct val="90000"/>
+              </a:lnSpc>
+              <a:spcBef>
+                <a:spcPts val="1000"/>
+              </a:spcBef>
+              <a:buFont typeface="Arial" panose="020B0604020202020204" pitchFamily="34" charset="0"/>
+              <a:buChar char="•"/>
+              <a:defRPr sz="2800" kern="1200">
+                <a:solidFill>
+                  <a:schemeClr val="tx1"/>
+                </a:solidFill>
+                <a:latin typeface="+mn-lt"/>
+                <a:ea typeface="+mn-ea"/>
+                <a:cs typeface="+mn-cs"/>
+              </a:defRPr>
+            </a:lvl1pPr>
+            <a:lvl2pPr marL="685800" indent="-228600" algn="l" defTabSz="914400" rtl="0" eaLnBrk="1" latinLnBrk="0" hangingPunct="1">
+              <a:lnSpc>
+                <a:spcPct val="90000"/>
+              </a:lnSpc>
+              <a:spcBef>
+                <a:spcPts val="500"/>
+              </a:spcBef>
+              <a:buFont typeface="Arial" panose="020B0604020202020204" pitchFamily="34" charset="0"/>
+              <a:buChar char="•"/>
+              <a:defRPr sz="2400" kern="1200">
+                <a:solidFill>
+                  <a:schemeClr val="tx1"/>
+                </a:solidFill>
+                <a:latin typeface="+mn-lt"/>
+                <a:ea typeface="+mn-ea"/>
+                <a:cs typeface="+mn-cs"/>
+              </a:defRPr>
+            </a:lvl2pPr>
+            <a:lvl3pPr marL="1143000" indent="-228600" algn="l" defTabSz="914400" rtl="0" eaLnBrk="1" latinLnBrk="0" hangingPunct="1">
+              <a:lnSpc>
+                <a:spcPct val="90000"/>
+              </a:lnSpc>
+              <a:spcBef>
+                <a:spcPts val="500"/>
+              </a:spcBef>
+              <a:buFont typeface="Arial" panose="020B0604020202020204" pitchFamily="34" charset="0"/>
+              <a:buChar char="•"/>
+              <a:defRPr sz="2000" kern="1200">
+                <a:solidFill>
+                  <a:schemeClr val="tx1"/>
+                </a:solidFill>
+                <a:latin typeface="+mn-lt"/>
+                <a:ea typeface="+mn-ea"/>
+                <a:cs typeface="+mn-cs"/>
+              </a:defRPr>
+            </a:lvl3pPr>
+            <a:lvl4pPr marL="1600200" indent="-228600" algn="l" defTabSz="914400" rtl="0" eaLnBrk="1" latinLnBrk="0" hangingPunct="1">
+              <a:lnSpc>
+                <a:spcPct val="90000"/>
+              </a:lnSpc>
+              <a:spcBef>
+                <a:spcPts val="500"/>
+              </a:spcBef>
+              <a:buFont typeface="Arial" panose="020B0604020202020204" pitchFamily="34" charset="0"/>
+              <a:buChar char="•"/>
+              <a:defRPr sz="1800" kern="1200">
+                <a:solidFill>
+                  <a:schemeClr val="tx1"/>
+                </a:solidFill>
+                <a:latin typeface="+mn-lt"/>
+                <a:ea typeface="+mn-ea"/>
+                <a:cs typeface="+mn-cs"/>
+              </a:defRPr>
+            </a:lvl4pPr>
+            <a:lvl5pPr marL="2057400" indent="-228600" algn="l" defTabSz="914400" rtl="0" eaLnBrk="1" latinLnBrk="0" hangingPunct="1">
+              <a:lnSpc>
+                <a:spcPct val="90000"/>
+              </a:lnSpc>
+              <a:spcBef>
+                <a:spcPts val="500"/>
+              </a:spcBef>
+              <a:buFont typeface="Arial" panose="020B0604020202020204" pitchFamily="34" charset="0"/>
+              <a:buChar char="•"/>
+              <a:defRPr sz="1800" kern="1200">
+                <a:solidFill>
+                  <a:schemeClr val="tx1"/>
+                </a:solidFill>
+                <a:latin typeface="+mn-lt"/>
+                <a:ea typeface="+mn-ea"/>
+                <a:cs typeface="+mn-cs"/>
+              </a:defRPr>
+            </a:lvl5pPr>
+            <a:lvl6pPr marL="2514600" indent="-228600" algn="l" defTabSz="914400" rtl="0" eaLnBrk="1" latinLnBrk="0" hangingPunct="1">
+              <a:lnSpc>
+                <a:spcPct val="90000"/>
+              </a:lnSpc>
+              <a:spcBef>
+                <a:spcPts val="500"/>
+              </a:spcBef>
+              <a:buFont typeface="Arial" panose="020B0604020202020204" pitchFamily="34" charset="0"/>
+              <a:buChar char="•"/>
+              <a:defRPr sz="1800" kern="1200">
+                <a:solidFill>
+                  <a:schemeClr val="tx1"/>
+                </a:solidFill>
+                <a:latin typeface="+mn-lt"/>
+                <a:ea typeface="+mn-ea"/>
+                <a:cs typeface="+mn-cs"/>
+              </a:defRPr>
+            </a:lvl6pPr>
+            <a:lvl7pPr marL="2971800" indent="-228600" algn="l" defTabSz="914400" rtl="0" eaLnBrk="1" latinLnBrk="0" hangingPunct="1">
+              <a:lnSpc>
+                <a:spcPct val="90000"/>
+              </a:lnSpc>
+              <a:spcBef>
+                <a:spcPts val="500"/>
+              </a:spcBef>
+              <a:buFont typeface="Arial" panose="020B0604020202020204" pitchFamily="34" charset="0"/>
+              <a:buChar char="•"/>
+              <a:defRPr sz="1800" kern="1200">
+                <a:solidFill>
+                  <a:schemeClr val="tx1"/>
+                </a:solidFill>
+                <a:latin typeface="+mn-lt"/>
+                <a:ea typeface="+mn-ea"/>
+                <a:cs typeface="+mn-cs"/>
+              </a:defRPr>
+            </a:lvl7pPr>
+            <a:lvl8pPr marL="3429000" indent="-228600" algn="l" defTabSz="914400" rtl="0" eaLnBrk="1" latinLnBrk="0" hangingPunct="1">
+              <a:lnSpc>
+                <a:spcPct val="90000"/>
+              </a:lnSpc>
+              <a:spcBef>
+                <a:spcPts val="500"/>
+              </a:spcBef>
+              <a:buFont typeface="Arial" panose="020B0604020202020204" pitchFamily="34" charset="0"/>
+              <a:buChar char="•"/>
+              <a:defRPr sz="1800" kern="1200">
+                <a:solidFill>
+                  <a:schemeClr val="tx1"/>
+                </a:solidFill>
+                <a:latin typeface="+mn-lt"/>
+                <a:ea typeface="+mn-ea"/>
+                <a:cs typeface="+mn-cs"/>
+              </a:defRPr>
+            </a:lvl8pPr>
+            <a:lvl9pPr marL="3886200" indent="-228600" algn="l" defTabSz="914400" rtl="0" eaLnBrk="1" latinLnBrk="0" hangingPunct="1">
+              <a:lnSpc>
+                <a:spcPct val="90000"/>
+              </a:lnSpc>
+              <a:spcBef>
+                <a:spcPts val="500"/>
+              </a:spcBef>
+              <a:buFont typeface="Arial" panose="020B0604020202020204" pitchFamily="34" charset="0"/>
+              <a:buChar char="•"/>
+              <a:defRPr sz="1800" kern="1200">
+                <a:solidFill>
+                  <a:schemeClr val="tx1"/>
+                </a:solidFill>
+                <a:latin typeface="+mn-lt"/>
+                <a:ea typeface="+mn-ea"/>
+                <a:cs typeface="+mn-cs"/>
+              </a:defRPr>
+            </a:lvl9pPr>
+          </a:lstStyle>
+          <a:p>
+            <a:pPr marL="0" indent="0">
+              <a:buFont typeface="Arial" panose="020B0604020202020204" pitchFamily="34" charset="0"/>
+              <a:buNone/>
+            </a:pPr>
+            <a:r>
+              <a:rPr lang="en-US" dirty="0"/>
+              <a:t>&lt;div class=“my-modal&gt;</a:t>
+            </a:r>
+          </a:p>
+          <a:p>
+            <a:pPr marL="0" indent="0">
+              <a:buFont typeface="Arial" panose="020B0604020202020204" pitchFamily="34" charset="0"/>
+              <a:buNone/>
+            </a:pPr>
+            <a:r>
+              <a:rPr lang="en-US" dirty="0"/>
+              <a:t>	&lt;h2&gt;Modal data&lt;/h2&gt;</a:t>
+            </a:r>
+          </a:p>
+          <a:p>
+            <a:pPr marL="0" indent="0">
+              <a:buFont typeface="Arial" panose="020B0604020202020204" pitchFamily="34" charset="0"/>
+              <a:buNone/>
+            </a:pPr>
+            <a:r>
+              <a:rPr lang="en-US" dirty="0"/>
+              <a:t>&lt;/div&gt;</a:t>
+            </a:r>
+          </a:p>
+          <a:p>
+            <a:pPr marL="0" indent="0">
+              <a:buFont typeface="Arial" panose="020B0604020202020204" pitchFamily="34" charset="0"/>
+              <a:buNone/>
+            </a:pPr>
+            <a:r>
+              <a:rPr lang="en-US" dirty="0"/>
+              <a:t>&lt;section&gt;</a:t>
+            </a:r>
+          </a:p>
+          <a:p>
+            <a:pPr marL="0" indent="0">
+              <a:buFont typeface="Arial" panose="020B0604020202020204" pitchFamily="34" charset="0"/>
+              <a:buNone/>
+            </a:pPr>
+            <a:r>
+              <a:rPr lang="en-US" dirty="0"/>
+              <a:t>&lt;h2&gt;Some data&lt;/h2&gt;</a:t>
+            </a:r>
+          </a:p>
+          <a:p>
+            <a:pPr marL="0" indent="0">
+              <a:buFont typeface="Arial" panose="020B0604020202020204" pitchFamily="34" charset="0"/>
+              <a:buNone/>
+            </a:pPr>
+            <a:r>
+              <a:rPr lang="en-US" dirty="0"/>
+              <a:t>&lt;form&gt;</a:t>
+            </a:r>
+          </a:p>
+          <a:p>
+            <a:pPr marL="0" indent="0">
+              <a:buFont typeface="Arial" panose="020B0604020202020204" pitchFamily="34" charset="0"/>
+              <a:buNone/>
+            </a:pPr>
+            <a:r>
+              <a:rPr lang="en-US" dirty="0"/>
+              <a:t>	&lt;label&gt;Username&lt;/label&gt;</a:t>
+            </a:r>
+          </a:p>
+          <a:p>
+            <a:pPr marL="0" indent="0">
+              <a:buFont typeface="Arial" panose="020B0604020202020204" pitchFamily="34" charset="0"/>
+              <a:buNone/>
+            </a:pPr>
+            <a:r>
+              <a:rPr lang="en-US" dirty="0"/>
+              <a:t>	&lt;input type=“text” /&gt;</a:t>
+            </a:r>
+            <a:br>
+              <a:rPr lang="en-US" dirty="0"/>
+            </a:br>
+            <a:r>
+              <a:rPr lang="en-US" dirty="0"/>
+              <a:t>&lt;/form&gt;</a:t>
+            </a:r>
+          </a:p>
+          <a:p>
+            <a:pPr marL="0" indent="0">
+              <a:buFont typeface="Arial" panose="020B0604020202020204" pitchFamily="34" charset="0"/>
+              <a:buNone/>
+            </a:pPr>
+            <a:r>
+              <a:rPr lang="en-US" dirty="0"/>
+              <a:t>&lt;/section&gt;</a:t>
+            </a:r>
+          </a:p>
+          <a:p>
+            <a:pPr marL="0" indent="0">
+              <a:buFont typeface="Arial" panose="020B0604020202020204" pitchFamily="34" charset="0"/>
+              <a:buNone/>
+            </a:pPr>
+            <a:r>
+              <a:rPr lang="en-US" dirty="0"/>
+              <a:t>		</a:t>
+            </a:r>
+            <a:r>
+              <a:rPr lang="en-US" dirty="0" err="1"/>
+              <a:t>RealDOM</a:t>
+            </a:r>
+            <a:endParaRPr lang="en-US" dirty="0"/>
+          </a:p>
+        </p:txBody>
+      </p:sp>
+    </p:spTree>
+    <p:extLst>
+      <p:ext uri="{BB962C8B-B14F-4D97-AF65-F5344CB8AC3E}">
+        <p14:creationId xmlns:p14="http://schemas.microsoft.com/office/powerpoint/2010/main" val="1208430629"/>
+      </p:ext>
+    </p:extLst>
+  </p:cSld>
+  <p:clrMapOvr>
+    <a:masterClrMapping/>
+  </p:clrMapOvr>
+</p:sld>
+</file>
+
+<file path=ppt/slides/slide38.xml><?xml version="1.0" encoding="utf-8"?>
+<p:sld xmlns:a="http://schemas.openxmlformats.org/drawingml/2006/main" xmlns:r="http://schemas.openxmlformats.org/officeDocument/2006/relationships" xmlns:p="http://schemas.openxmlformats.org/presentationml/2006/main">
+  <p:cSld>
+    <p:spTree>
+      <p:nvGrpSpPr>
+        <p:cNvPr id="1" name=""/>
+        <p:cNvGrpSpPr/>
+        <p:nvPr/>
+      </p:nvGrpSpPr>
+      <p:grpSpPr>
+        <a:xfrm>
+          <a:off x="0" y="0"/>
+          <a:ext cx="0" cy="0"/>
+          <a:chOff x="0" y="0"/>
+          <a:chExt cx="0" cy="0"/>
+        </a:xfrm>
+      </p:grpSpPr>
+      <p:sp>
+        <p:nvSpPr>
+          <p:cNvPr id="2" name="Title 1">
+            <a:extLst>
+              <a:ext uri="{FF2B5EF4-FFF2-40B4-BE49-F238E27FC236}">
+                <a16:creationId xmlns:a16="http://schemas.microsoft.com/office/drawing/2014/main" id="{858D7F91-847B-930E-853C-7FCFBD73501D}"/>
+              </a:ext>
+            </a:extLst>
+          </p:cNvPr>
+          <p:cNvSpPr>
+            <a:spLocks noGrp="1"/>
+          </p:cNvSpPr>
+          <p:nvPr>
+            <p:ph type="title"/>
+          </p:nvPr>
+        </p:nvSpPr>
+        <p:spPr/>
+        <p:txBody>
+          <a:bodyPr/>
+          <a:lstStyle/>
+          <a:p>
+            <a:r>
+              <a:rPr lang="en-US" dirty="0"/>
+              <a:t>Ref</a:t>
+            </a:r>
+          </a:p>
+        </p:txBody>
+      </p:sp>
+      <p:sp>
+        <p:nvSpPr>
+          <p:cNvPr id="3" name="Content Placeholder 2">
+            <a:extLst>
+              <a:ext uri="{FF2B5EF4-FFF2-40B4-BE49-F238E27FC236}">
+                <a16:creationId xmlns:a16="http://schemas.microsoft.com/office/drawing/2014/main" id="{370FD8D3-A52D-C781-7CC4-ADC9B7DC8710}"/>
+              </a:ext>
+            </a:extLst>
+          </p:cNvPr>
+          <p:cNvSpPr>
+            <a:spLocks noGrp="1"/>
+          </p:cNvSpPr>
+          <p:nvPr>
+            <p:ph idx="1"/>
+          </p:nvPr>
+        </p:nvSpPr>
+        <p:spPr/>
+        <p:txBody>
+          <a:bodyPr/>
+          <a:lstStyle/>
+          <a:p>
+            <a:endParaRPr lang="en-US"/>
+          </a:p>
+        </p:txBody>
+      </p:sp>
+    </p:spTree>
+    <p:extLst>
+      <p:ext uri="{BB962C8B-B14F-4D97-AF65-F5344CB8AC3E}">
+        <p14:creationId xmlns:p14="http://schemas.microsoft.com/office/powerpoint/2010/main" val="1352978523"/>
+      </p:ext>
+    </p:extLst>
+  </p:cSld>
+  <p:clrMapOvr>
+    <a:masterClrMapping/>
+  </p:clrMapOvr>
+</p:sld>
+</file>
+
 <file path=ppt/slides/slide4.xml><?xml version="1.0" encoding="utf-8"?>
 <p:sld xmlns:a="http://schemas.openxmlformats.org/drawingml/2006/main" xmlns:r="http://schemas.openxmlformats.org/officeDocument/2006/relationships" xmlns:p="http://schemas.openxmlformats.org/presentationml/2006/main">
   <p:cSld>
